--- a/minicurso_74C_NBot/Repositório de dados avanços e caminhos para o conhecimento sobre diversidade de plantas aquáticas do Brasil.pptx
+++ b/minicurso_74C_NBot/Repositório de dados avanços e caminhos para o conhecimento sobre diversidade de plantas aquáticas do Brasil.pptx
@@ -274,7 +274,7 @@
   </p:defaultTextStyle>
   <p:extLst>
     <p:ext uri="GoogleSlidesCustomDataVersion2">
-      <go:slidesCustomData xmlns:go="http://customooxmlschemas.google.com/" r:id="rId37" roundtripDataSignature="AMtx7mh5oKbK0jh58op5pT6zzCGRVURzow=="/>
+      <go:slidesCustomData xmlns:go="http://customooxmlschemas.google.com/" r:id="rId37" roundtripDataSignature="AMtx7mjKmRO+Y/aRi3uXecY1+mmgIubX9Q=="/>
     </p:ext>
   </p:extLst>
 </p:presentation>
@@ -725,7 +725,7 @@
       </p:grpSpPr>
       <p:sp>
         <p:nvSpPr>
-          <p:cNvPr id="81" name="Google Shape;81;p1:notes"/>
+          <p:cNvPr id="81" name="Google Shape;81;g2d560fd5565_0_24:notes"/>
           <p:cNvSpPr txBox="1"/>
           <p:nvPr>
             <p:ph idx="1" type="body"/>
@@ -764,7 +764,7 @@
       </p:sp>
       <p:sp>
         <p:nvSpPr>
-          <p:cNvPr id="82" name="Google Shape;82;p1:notes"/>
+          <p:cNvPr id="82" name="Google Shape;82;g2d560fd5565_0_24:notes"/>
           <p:cNvSpPr/>
           <p:nvPr>
             <p:ph idx="2" type="sldImg"/>
@@ -773,7 +773,7 @@
         <p:spPr>
           <a:xfrm>
             <a:off x="1143225" y="685800"/>
-            <a:ext cx="4572225" cy="3429000"/>
+            <a:ext cx="4572300" cy="3429000"/>
           </a:xfrm>
           <a:custGeom>
             <a:rect b="b" l="l" r="r" t="t"/>
@@ -3299,7 +3299,7 @@
       </p:grpSpPr>
       <p:sp>
         <p:nvSpPr>
-          <p:cNvPr id="99" name="Google Shape;99;p3:notes"/>
+          <p:cNvPr id="99" name="Google Shape;99;p5:notes"/>
           <p:cNvSpPr txBox="1"/>
           <p:nvPr>
             <p:ph idx="1" type="body"/>
@@ -3338,7 +3338,7 @@
       </p:sp>
       <p:sp>
         <p:nvSpPr>
-          <p:cNvPr id="100" name="Google Shape;100;p3:notes"/>
+          <p:cNvPr id="100" name="Google Shape;100;p5:notes"/>
           <p:cNvSpPr/>
           <p:nvPr>
             <p:ph idx="2" type="sldImg"/>
@@ -3398,7 +3398,7 @@
       </p:grpSpPr>
       <p:sp>
         <p:nvSpPr>
-          <p:cNvPr id="105" name="Google Shape;105;p5:notes"/>
+          <p:cNvPr id="105" name="Google Shape;105;p3:notes"/>
           <p:cNvSpPr txBox="1"/>
           <p:nvPr>
             <p:ph idx="1" type="body"/>
@@ -3437,7 +3437,7 @@
       </p:sp>
       <p:sp>
         <p:nvSpPr>
-          <p:cNvPr id="106" name="Google Shape;106;p5:notes"/>
+          <p:cNvPr id="106" name="Google Shape;106;p3:notes"/>
           <p:cNvSpPr/>
           <p:nvPr>
             <p:ph idx="2" type="sldImg"/>
@@ -13889,18 +13889,24 @@
           <a:chExt cx="0" cy="0"/>
         </a:xfrm>
       </p:grpSpPr>
-      <p:sp>
-        <p:nvSpPr>
-          <p:cNvPr id="84" name="Google Shape;84;p1"/>
-          <p:cNvSpPr txBox="1"/>
-          <p:nvPr>
-            <p:ph type="ctrTitle"/>
-          </p:nvPr>
-        </p:nvSpPr>
-        <p:spPr>
-          <a:xfrm>
-            <a:off x="1524000" y="1122363"/>
-            <a:ext cx="9144000" cy="2387600"/>
+      <p:pic>
+        <p:nvPicPr>
+          <p:cNvPr id="84" name="Google Shape;84;g2d560fd5565_0_24"/>
+          <p:cNvPicPr preferRelativeResize="0"/>
+          <p:nvPr/>
+        </p:nvPicPr>
+        <p:blipFill>
+          <a:blip r:embed="rId3">
+            <a:alphaModFix/>
+          </a:blip>
+          <a:stretch>
+            <a:fillRect/>
+          </a:stretch>
+        </p:blipFill>
+        <p:spPr>
+          <a:xfrm>
+            <a:off x="1100663" y="98775"/>
+            <a:ext cx="9990674" cy="6660449"/>
           </a:xfrm>
           <a:prstGeom prst="rect">
             <a:avLst/>
@@ -13910,49 +13916,19 @@
             <a:noFill/>
           </a:ln>
         </p:spPr>
-        <p:txBody>
-          <a:bodyPr anchorCtr="0" anchor="b" bIns="45700" lIns="91425" spcFirstLastPara="1" rIns="91425" wrap="square" tIns="45700">
-            <a:normAutofit fontScale="90000"/>
-          </a:bodyPr>
-          <a:lstStyle/>
-          <a:p>
-            <a:pPr indent="0" lvl="0" marL="0" rtl="0" algn="ctr">
-              <a:lnSpc>
-                <a:spcPct val="90000"/>
-              </a:lnSpc>
-              <a:spcBef>
-                <a:spcPts val="0"/>
-              </a:spcBef>
-              <a:spcAft>
-                <a:spcPts val="0"/>
-              </a:spcAft>
-              <a:buClr>
-                <a:schemeClr val="dk1"/>
-              </a:buClr>
-              <a:buSzPct val="100000"/>
-              <a:buFont typeface="Calibri"/>
-              <a:buNone/>
-            </a:pPr>
-            <a:r>
-              <a:rPr lang="pt-BR"/>
-              <a:t>Repositório de dados: avanços e caminhos para o conhecimento sobre diversidade de plantas aquáticas do Brasil</a:t>
-            </a:r>
-            <a:endParaRPr/>
-          </a:p>
-        </p:txBody>
-      </p:sp>
+      </p:pic>
       <p:sp>
         <p:nvSpPr>
-          <p:cNvPr id="85" name="Google Shape;85;p1"/>
+          <p:cNvPr id="85" name="Google Shape;85;g2d560fd5565_0_24"/>
           <p:cNvSpPr txBox="1"/>
           <p:nvPr>
-            <p:ph idx="1" type="subTitle"/>
+            <p:ph type="ctrTitle"/>
           </p:nvPr>
         </p:nvSpPr>
         <p:spPr>
           <a:xfrm>
-            <a:off x="1524000" y="3602038"/>
-            <a:ext cx="9144000" cy="1655762"/>
+            <a:off x="1524000" y="2763913"/>
+            <a:ext cx="9144000" cy="3206700"/>
           </a:xfrm>
           <a:prstGeom prst="rect">
             <a:avLst/>
@@ -13963,12 +13939,12 @@
           </a:ln>
         </p:spPr>
         <p:txBody>
-          <a:bodyPr anchorCtr="0" anchor="t" bIns="45700" lIns="91425" spcFirstLastPara="1" rIns="91425" wrap="square" tIns="45700">
-            <a:normAutofit fontScale="70000" lnSpcReduction="20000"/>
+          <a:bodyPr anchorCtr="0" anchor="b" bIns="45700" lIns="91425" spcFirstLastPara="1" rIns="91425" wrap="square" tIns="45700">
+            <a:noAutofit/>
           </a:bodyPr>
           <a:lstStyle/>
           <a:p>
-            <a:pPr indent="0" lvl="0" marL="0" rtl="0" algn="r">
+            <a:pPr indent="0" lvl="0" marL="0" rtl="0" algn="ctr">
               <a:lnSpc>
                 <a:spcPct val="90000"/>
               </a:lnSpc>
@@ -13981,21 +13957,72 @@
               <a:buClr>
                 <a:schemeClr val="dk1"/>
               </a:buClr>
-              <a:buSzPct val="100000"/>
+              <a:buSzPts val="4000"/>
+              <a:buFont typeface="Calibri"/>
+              <a:buNone/>
+            </a:pPr>
+            <a:r>
+              <a:rPr lang="pt-BR" sz="4000">
+                <a:solidFill>
+                  <a:schemeClr val="lt1"/>
+                </a:solidFill>
+              </a:rPr>
+              <a:t>Repositório de dados: avanços e caminhos para o conhecimento sobre diversidade de plantas aquáticas do Brasil</a:t>
+            </a:r>
+            <a:br>
+              <a:rPr lang="pt-BR" sz="4000">
+                <a:solidFill>
+                  <a:schemeClr val="lt1"/>
+                </a:solidFill>
+              </a:rPr>
+            </a:br>
+            <a:br>
+              <a:rPr lang="pt-BR" sz="4000">
+                <a:solidFill>
+                  <a:schemeClr val="lt1"/>
+                </a:solidFill>
+              </a:rPr>
+            </a:br>
+            <a:endParaRPr sz="4000">
+              <a:solidFill>
+                <a:schemeClr val="lt1"/>
+              </a:solidFill>
+            </a:endParaRPr>
+          </a:p>
+          <a:p>
+            <a:pPr indent="0" lvl="0" marL="0" rtl="0" algn="ctr">
+              <a:lnSpc>
+                <a:spcPct val="90000"/>
+              </a:lnSpc>
+              <a:spcBef>
+                <a:spcPts val="0"/>
+              </a:spcBef>
+              <a:spcAft>
+                <a:spcPts val="0"/>
+              </a:spcAft>
+              <a:buClr>
+                <a:schemeClr val="dk1"/>
+              </a:buClr>
+              <a:buSzPts val="4000"/>
+              <a:buFont typeface="Calibri"/>
               <a:buNone/>
             </a:pPr>
             <a:r>
               <a:t/>
             </a:r>
-            <a:endParaRPr/>
+            <a:endParaRPr sz="4000">
+              <a:solidFill>
+                <a:schemeClr val="lt1"/>
+              </a:solidFill>
+            </a:endParaRPr>
           </a:p>
           <a:p>
-            <a:pPr indent="0" lvl="0" marL="0" rtl="0" algn="r">
-              <a:lnSpc>
-                <a:spcPct val="90000"/>
-              </a:lnSpc>
-              <a:spcBef>
-                <a:spcPts val="1000"/>
+            <a:pPr indent="0" lvl="0" marL="0" rtl="0" algn="ctr">
+              <a:lnSpc>
+                <a:spcPct val="90000"/>
+              </a:lnSpc>
+              <a:spcBef>
+                <a:spcPts val="0"/>
               </a:spcBef>
               <a:spcAft>
                 <a:spcPts val="0"/>
@@ -14003,21 +14030,26 @@
               <a:buClr>
                 <a:schemeClr val="dk1"/>
               </a:buClr>
-              <a:buSzPct val="100000"/>
+              <a:buSzPts val="4000"/>
+              <a:buFont typeface="Calibri"/>
               <a:buNone/>
             </a:pPr>
             <a:r>
               <a:t/>
             </a:r>
-            <a:endParaRPr/>
+            <a:endParaRPr sz="4000">
+              <a:solidFill>
+                <a:schemeClr val="lt1"/>
+              </a:solidFill>
+            </a:endParaRPr>
           </a:p>
           <a:p>
-            <a:pPr indent="0" lvl="0" marL="0" rtl="0" algn="r">
-              <a:lnSpc>
-                <a:spcPct val="90000"/>
-              </a:lnSpc>
-              <a:spcBef>
-                <a:spcPts val="1000"/>
+            <a:pPr indent="0" lvl="0" marL="0" rtl="0" algn="ctr">
+              <a:lnSpc>
+                <a:spcPct val="90000"/>
+              </a:lnSpc>
+              <a:spcBef>
+                <a:spcPts val="0"/>
               </a:spcBef>
               <a:spcAft>
                 <a:spcPts val="0"/>
@@ -14025,21 +14057,23 @@
               <a:buClr>
                 <a:schemeClr val="dk1"/>
               </a:buClr>
-              <a:buSzPct val="100000"/>
+              <a:buSzPts val="4000"/>
+              <a:buFont typeface="Calibri"/>
               <a:buNone/>
             </a:pPr>
             <a:r>
               <a:t/>
             </a:r>
-            <a:endParaRPr/>
+            <a:endParaRPr sz="4000">
+              <a:solidFill>
+                <a:schemeClr val="lt1"/>
+              </a:solidFill>
+            </a:endParaRPr>
           </a:p>
           <a:p>
-            <a:pPr indent="0" lvl="0" marL="0" rtl="0" algn="r">
-              <a:lnSpc>
-                <a:spcPct val="90000"/>
-              </a:lnSpc>
-              <a:spcBef>
-                <a:spcPts val="1000"/>
+            <a:pPr indent="0" lvl="0" marL="0" rtl="0" algn="ctr">
+              <a:spcBef>
+                <a:spcPts val="0"/>
               </a:spcBef>
               <a:spcAft>
                 <a:spcPts val="0"/>
@@ -14047,22 +14081,28 @@
               <a:buClr>
                 <a:schemeClr val="dk1"/>
               </a:buClr>
-              <a:buSzPct val="100000"/>
+              <a:buSzPts val="1100"/>
+              <a:buFont typeface="Arial"/>
               <a:buNone/>
             </a:pPr>
             <a:r>
-              <a:rPr lang="pt-BR" sz="3400"/>
+              <a:rPr lang="pt-BR" sz="1500">
+                <a:solidFill>
+                  <a:schemeClr val="lt1"/>
+                </a:solidFill>
+              </a:rPr>
               <a:t>Pablo Hendrigo Alves de Melo</a:t>
             </a:r>
-            <a:endParaRPr/>
+            <a:endParaRPr sz="1500">
+              <a:solidFill>
+                <a:schemeClr val="lt1"/>
+              </a:solidFill>
+            </a:endParaRPr>
           </a:p>
           <a:p>
-            <a:pPr indent="0" lvl="0" marL="0" rtl="0" algn="r">
-              <a:lnSpc>
-                <a:spcPct val="90000"/>
-              </a:lnSpc>
-              <a:spcBef>
-                <a:spcPts val="1000"/>
+            <a:pPr indent="0" lvl="0" marL="0" rtl="0" algn="ctr">
+              <a:spcBef>
+                <a:spcPts val="0"/>
               </a:spcBef>
               <a:spcAft>
                 <a:spcPts val="0"/>
@@ -14070,14 +14110,98 @@
               <a:buClr>
                 <a:schemeClr val="dk1"/>
               </a:buClr>
-              <a:buSzPct val="100000"/>
+              <a:buSzPts val="1100"/>
+              <a:buFont typeface="Arial"/>
               <a:buNone/>
             </a:pPr>
             <a:r>
-              <a:rPr lang="pt-BR"/>
+              <a:t/>
+            </a:r>
+            <a:endParaRPr sz="1500">
+              <a:solidFill>
+                <a:schemeClr val="lt1"/>
+              </a:solidFill>
+            </a:endParaRPr>
+          </a:p>
+          <a:p>
+            <a:pPr indent="0" lvl="0" marL="0" rtl="0" algn="ctr">
+              <a:spcBef>
+                <a:spcPts val="0"/>
+              </a:spcBef>
+              <a:spcAft>
+                <a:spcPts val="0"/>
+              </a:spcAft>
+              <a:buClr>
+                <a:schemeClr val="dk1"/>
+              </a:buClr>
+              <a:buSzPts val="1100"/>
+              <a:buFont typeface="Arial"/>
+              <a:buNone/>
+            </a:pPr>
+            <a:r>
+              <a:rPr lang="pt-BR" sz="1500">
+                <a:solidFill>
+                  <a:schemeClr val="lt1"/>
+                </a:solidFill>
+              </a:rPr>
               <a:t>Instituto Nacional de Ciência e Tecnologia em Sínteses da Biodiversidade Amazônica (INCT-SinBiAm)</a:t>
             </a:r>
-            <a:endParaRPr/>
+            <a:endParaRPr sz="1500">
+              <a:solidFill>
+                <a:schemeClr val="lt1"/>
+              </a:solidFill>
+            </a:endParaRPr>
+          </a:p>
+          <a:p>
+            <a:pPr indent="0" lvl="0" marL="0" rtl="0" algn="ctr">
+              <a:spcBef>
+                <a:spcPts val="0"/>
+              </a:spcBef>
+              <a:spcAft>
+                <a:spcPts val="0"/>
+              </a:spcAft>
+              <a:buClr>
+                <a:schemeClr val="dk1"/>
+              </a:buClr>
+              <a:buSzPts val="1100"/>
+              <a:buFont typeface="Arial"/>
+              <a:buNone/>
+            </a:pPr>
+            <a:r>
+              <a:t/>
+            </a:r>
+            <a:endParaRPr sz="2200">
+              <a:solidFill>
+                <a:schemeClr val="lt1"/>
+              </a:solidFill>
+            </a:endParaRPr>
+          </a:p>
+          <a:p>
+            <a:pPr indent="0" lvl="0" marL="0" rtl="0" algn="ctr">
+              <a:lnSpc>
+                <a:spcPct val="90000"/>
+              </a:lnSpc>
+              <a:spcBef>
+                <a:spcPts val="0"/>
+              </a:spcBef>
+              <a:spcAft>
+                <a:spcPts val="0"/>
+              </a:spcAft>
+              <a:buClr>
+                <a:schemeClr val="dk1"/>
+              </a:buClr>
+              <a:buSzPts val="4000"/>
+              <a:buFont typeface="Calibri"/>
+              <a:buNone/>
+            </a:pPr>
+            <a:r>
+              <a:t/>
+            </a:r>
+            <a:endParaRPr sz="2200">
+              <a:solidFill>
+                <a:schemeClr val="lt1"/>
+              </a:solidFill>
+            </a:endParaRPr>
           </a:p>
         </p:txBody>
       </p:sp>
@@ -15473,6 +15597,25 @@
             <a:r>
               <a:rPr lang="pt-BR"/>
               <a:t>O conhecimento adequado das espécies e suas ocorrências são necessários para a eficácia de planos globais para travar a perda de biodiversidade, incluindo Quadro Global de Biodiversidade (GBF) da Convenção sobre Diversidade Biológica (CDB) e a iniciativa High Ambition Coalition 30x30, um compromisso de conservar 30% do ambiente terrestre até 2030.</a:t>
+            </a:r>
+            <a:endParaRPr/>
+          </a:p>
+          <a:p>
+            <a:pPr indent="-165100" lvl="0" marL="228600" rtl="0" algn="just">
+              <a:lnSpc>
+                <a:spcPct val="90000"/>
+              </a:lnSpc>
+              <a:spcBef>
+                <a:spcPts val="0"/>
+              </a:spcBef>
+              <a:spcAft>
+                <a:spcPts val="0"/>
+              </a:spcAft>
+              <a:buSzPts val="1800"/>
+              <a:buChar char="•"/>
+            </a:pPr>
+            <a:r>
+              <a:t/>
             </a:r>
             <a:endParaRPr/>
           </a:p>
@@ -17511,18 +17654,24 @@
           <a:chExt cx="0" cy="0"/>
         </a:xfrm>
       </p:grpSpPr>
-      <p:sp>
-        <p:nvSpPr>
+      <p:pic>
+        <p:nvPicPr>
           <p:cNvPr id="289" name="Google Shape;289;p28"/>
-          <p:cNvSpPr txBox="1"/>
-          <p:nvPr>
-            <p:ph type="ctrTitle"/>
-          </p:nvPr>
-        </p:nvSpPr>
-        <p:spPr>
-          <a:xfrm>
-            <a:off x="1524000" y="1122363"/>
-            <a:ext cx="9144000" cy="3206750"/>
+          <p:cNvPicPr preferRelativeResize="0"/>
+          <p:nvPr/>
+        </p:nvPicPr>
+        <p:blipFill>
+          <a:blip r:embed="rId3">
+            <a:alphaModFix/>
+          </a:blip>
+          <a:stretch>
+            <a:fillRect/>
+          </a:stretch>
+        </p:blipFill>
+        <p:spPr>
+          <a:xfrm>
+            <a:off x="1100663" y="98775"/>
+            <a:ext cx="9990674" cy="6660449"/>
           </a:xfrm>
           <a:prstGeom prst="rect">
             <a:avLst/>
@@ -17532,6 +17681,28 @@
             <a:noFill/>
           </a:ln>
         </p:spPr>
+      </p:pic>
+      <p:sp>
+        <p:nvSpPr>
+          <p:cNvPr id="290" name="Google Shape;290;p28"/>
+          <p:cNvSpPr txBox="1"/>
+          <p:nvPr>
+            <p:ph type="ctrTitle"/>
+          </p:nvPr>
+        </p:nvSpPr>
+        <p:spPr>
+          <a:xfrm>
+            <a:off x="1524000" y="2763913"/>
+            <a:ext cx="9144000" cy="3206700"/>
+          </a:xfrm>
+          <a:prstGeom prst="rect">
+            <a:avLst/>
+          </a:prstGeom>
+          <a:noFill/>
+          <a:ln>
+            <a:noFill/>
+          </a:ln>
+        </p:spPr>
         <p:txBody>
           <a:bodyPr anchorCtr="0" anchor="b" bIns="45700" lIns="91425" spcFirstLastPara="1" rIns="91425" wrap="square" tIns="45700">
             <a:noAutofit/>
@@ -17556,61 +17727,35 @@
               <a:buNone/>
             </a:pPr>
             <a:r>
-              <a:rPr lang="pt-BR" sz="4000"/>
+              <a:rPr lang="pt-BR" sz="4000">
+                <a:solidFill>
+                  <a:schemeClr val="lt1"/>
+                </a:solidFill>
+              </a:rPr>
               <a:t>Repositório de dados: avanços e caminhos para o conhecimento sobre diversidade de plantas aquáticas do Brasil</a:t>
             </a:r>
             <a:br>
-              <a:rPr lang="pt-BR" sz="4000"/>
+              <a:rPr lang="pt-BR" sz="4000">
+                <a:solidFill>
+                  <a:schemeClr val="lt1"/>
+                </a:solidFill>
+              </a:rPr>
             </a:br>
             <a:br>
-              <a:rPr lang="pt-BR" sz="4000"/>
+              <a:rPr lang="pt-BR" sz="4000">
+                <a:solidFill>
+                  <a:schemeClr val="lt1"/>
+                </a:solidFill>
+              </a:rPr>
             </a:br>
-            <a:r>
-              <a:rPr lang="pt-BR" sz="4000"/>
-              <a:t>Obrigado!</a:t>
-            </a:r>
-            <a:br>
-              <a:rPr lang="pt-BR" sz="4000"/>
-            </a:br>
-            <a:br>
-              <a:rPr lang="pt-BR" sz="4000"/>
-            </a:br>
-            <a:r>
-              <a:rPr lang="pt-BR" sz="4000"/>
-              <a:t>pablopains@yahoo.com.br</a:t>
-            </a:r>
-            <a:endParaRPr/>
+            <a:endParaRPr sz="4000">
+              <a:solidFill>
+                <a:schemeClr val="lt1"/>
+              </a:solidFill>
+            </a:endParaRPr>
           </a:p>
-        </p:txBody>
-      </p:sp>
-      <p:sp>
-        <p:nvSpPr>
-          <p:cNvPr id="290" name="Google Shape;290;p28"/>
-          <p:cNvSpPr txBox="1"/>
-          <p:nvPr>
-            <p:ph idx="1" type="subTitle"/>
-          </p:nvPr>
-        </p:nvSpPr>
-        <p:spPr>
-          <a:xfrm>
-            <a:off x="1524000" y="5153026"/>
-            <a:ext cx="9144000" cy="1655762"/>
-          </a:xfrm>
-          <a:prstGeom prst="rect">
-            <a:avLst/>
-          </a:prstGeom>
-          <a:noFill/>
-          <a:ln>
-            <a:noFill/>
-          </a:ln>
-        </p:spPr>
-        <p:txBody>
-          <a:bodyPr anchorCtr="0" anchor="t" bIns="45700" lIns="91425" spcFirstLastPara="1" rIns="91425" wrap="square" tIns="45700">
-            <a:normAutofit fontScale="70000" lnSpcReduction="20000"/>
-          </a:bodyPr>
-          <a:lstStyle/>
           <a:p>
-            <a:pPr indent="0" lvl="0" marL="0" rtl="0" algn="r">
+            <a:pPr indent="0" lvl="0" marL="0" rtl="0" algn="ctr">
               <a:lnSpc>
                 <a:spcPct val="90000"/>
               </a:lnSpc>
@@ -17623,21 +17768,26 @@
               <a:buClr>
                 <a:schemeClr val="dk1"/>
               </a:buClr>
-              <a:buSzPct val="100000"/>
+              <a:buSzPts val="4000"/>
+              <a:buFont typeface="Calibri"/>
               <a:buNone/>
             </a:pPr>
             <a:r>
               <a:t/>
             </a:r>
-            <a:endParaRPr/>
+            <a:endParaRPr sz="4000">
+              <a:solidFill>
+                <a:schemeClr val="lt1"/>
+              </a:solidFill>
+            </a:endParaRPr>
           </a:p>
           <a:p>
-            <a:pPr indent="0" lvl="0" marL="0" rtl="0" algn="r">
-              <a:lnSpc>
-                <a:spcPct val="90000"/>
-              </a:lnSpc>
-              <a:spcBef>
-                <a:spcPts val="1000"/>
+            <a:pPr indent="0" lvl="0" marL="0" rtl="0" algn="ctr">
+              <a:lnSpc>
+                <a:spcPct val="90000"/>
+              </a:lnSpc>
+              <a:spcBef>
+                <a:spcPts val="0"/>
               </a:spcBef>
               <a:spcAft>
                 <a:spcPts val="0"/>
@@ -17645,21 +17795,26 @@
               <a:buClr>
                 <a:schemeClr val="dk1"/>
               </a:buClr>
-              <a:buSzPct val="100000"/>
+              <a:buSzPts val="4000"/>
+              <a:buFont typeface="Calibri"/>
               <a:buNone/>
             </a:pPr>
             <a:r>
               <a:t/>
             </a:r>
-            <a:endParaRPr/>
+            <a:endParaRPr sz="4000">
+              <a:solidFill>
+                <a:schemeClr val="lt1"/>
+              </a:solidFill>
+            </a:endParaRPr>
           </a:p>
           <a:p>
-            <a:pPr indent="0" lvl="0" marL="0" rtl="0" algn="r">
-              <a:lnSpc>
-                <a:spcPct val="90000"/>
-              </a:lnSpc>
-              <a:spcBef>
-                <a:spcPts val="1000"/>
+            <a:pPr indent="0" lvl="0" marL="0" rtl="0" algn="ctr">
+              <a:lnSpc>
+                <a:spcPct val="90000"/>
+              </a:lnSpc>
+              <a:spcBef>
+                <a:spcPts val="0"/>
               </a:spcBef>
               <a:spcAft>
                 <a:spcPts val="0"/>
@@ -17667,21 +17822,26 @@
               <a:buClr>
                 <a:schemeClr val="dk1"/>
               </a:buClr>
-              <a:buSzPct val="100000"/>
+              <a:buSzPts val="4000"/>
+              <a:buFont typeface="Calibri"/>
               <a:buNone/>
             </a:pPr>
             <a:r>
               <a:t/>
             </a:r>
-            <a:endParaRPr/>
+            <a:endParaRPr sz="4000">
+              <a:solidFill>
+                <a:schemeClr val="lt1"/>
+              </a:solidFill>
+            </a:endParaRPr>
           </a:p>
           <a:p>
-            <a:pPr indent="0" lvl="0" marL="0" rtl="0" algn="r">
-              <a:lnSpc>
-                <a:spcPct val="90000"/>
-              </a:lnSpc>
-              <a:spcBef>
-                <a:spcPts val="1000"/>
+            <a:pPr indent="0" lvl="0" marL="0" rtl="0" algn="ctr">
+              <a:lnSpc>
+                <a:spcPct val="90000"/>
+              </a:lnSpc>
+              <a:spcBef>
+                <a:spcPts val="0"/>
               </a:spcBef>
               <a:spcAft>
                 <a:spcPts val="0"/>
@@ -17689,37 +17849,38 @@
               <a:buClr>
                 <a:schemeClr val="dk1"/>
               </a:buClr>
-              <a:buSzPct val="100000"/>
+              <a:buSzPts val="4000"/>
+              <a:buFont typeface="Calibri"/>
               <a:buNone/>
             </a:pPr>
             <a:r>
-              <a:rPr lang="pt-BR" sz="3400"/>
-              <a:t>Pablo Hendrigo Alves de Melo</a:t>
+              <a:rPr lang="pt-BR" sz="4000">
+                <a:solidFill>
+                  <a:schemeClr val="lt1"/>
+                </a:solidFill>
+              </a:rPr>
+              <a:t>Obrigado!</a:t>
             </a:r>
-            <a:endParaRPr/>
-          </a:p>
-          <a:p>
-            <a:pPr indent="0" lvl="0" marL="0" rtl="0" algn="r">
-              <a:lnSpc>
-                <a:spcPct val="90000"/>
-              </a:lnSpc>
-              <a:spcBef>
-                <a:spcPts val="1000"/>
-              </a:spcBef>
-              <a:spcAft>
-                <a:spcPts val="0"/>
-              </a:spcAft>
-              <a:buClr>
-                <a:schemeClr val="dk1"/>
-              </a:buClr>
-              <a:buSzPct val="100000"/>
-              <a:buNone/>
-            </a:pPr>
+            <a:br>
+              <a:rPr lang="pt-BR" sz="4000">
+                <a:solidFill>
+                  <a:schemeClr val="lt1"/>
+                </a:solidFill>
+              </a:rPr>
+            </a:br>
             <a:r>
-              <a:rPr lang="pt-BR"/>
-              <a:t>Instituto Nacional de Ciência e Tecnologia em Sínteses da Biodiversidade Amazônica (INCT-SinBiAm)</a:t>
+              <a:rPr lang="pt-BR" sz="4000">
+                <a:solidFill>
+                  <a:schemeClr val="lt1"/>
+                </a:solidFill>
+              </a:rPr>
+              <a:t>pablopains@yahoo.com.br</a:t>
             </a:r>
-            <a:endParaRPr/>
+            <a:endParaRPr>
+              <a:solidFill>
+                <a:schemeClr val="lt1"/>
+              </a:solidFill>
+            </a:endParaRPr>
           </a:p>
         </p:txBody>
       </p:sp>
@@ -17750,7 +17911,111 @@
       </p:grpSpPr>
       <p:sp>
         <p:nvSpPr>
-          <p:cNvPr id="102" name="Google Shape;102;p3"/>
+          <p:cNvPr id="102" name="Google Shape;102;p5"/>
+          <p:cNvSpPr txBox="1"/>
+          <p:nvPr>
+            <p:ph type="title"/>
+          </p:nvPr>
+        </p:nvSpPr>
+        <p:spPr>
+          <a:xfrm>
+            <a:off x="838200" y="365125"/>
+            <a:ext cx="10515600" cy="1325563"/>
+          </a:xfrm>
+          <a:prstGeom prst="rect">
+            <a:avLst/>
+          </a:prstGeom>
+          <a:noFill/>
+          <a:ln>
+            <a:noFill/>
+          </a:ln>
+        </p:spPr>
+        <p:txBody>
+          <a:bodyPr anchorCtr="0" anchor="ctr" bIns="45700" lIns="91425" spcFirstLastPara="1" rIns="91425" wrap="square" tIns="45700">
+            <a:normAutofit/>
+          </a:bodyPr>
+          <a:lstStyle/>
+          <a:p>
+            <a:pPr indent="0" lvl="0" marL="0" rtl="0" algn="l">
+              <a:lnSpc>
+                <a:spcPct val="90000"/>
+              </a:lnSpc>
+              <a:spcBef>
+                <a:spcPts val="0"/>
+              </a:spcBef>
+              <a:spcAft>
+                <a:spcPts val="0"/>
+              </a:spcAft>
+              <a:buClr>
+                <a:schemeClr val="dk1"/>
+              </a:buClr>
+              <a:buSzPts val="4400"/>
+              <a:buFont typeface="Calibri"/>
+              <a:buNone/>
+            </a:pPr>
+            <a:r>
+              <a:rPr lang="pt-BR"/>
+              <a:t>sites.icb.ufmg.br/plantasaquaticasbrasil/</a:t>
+            </a:r>
+            <a:endParaRPr/>
+          </a:p>
+        </p:txBody>
+      </p:sp>
+      <p:pic>
+        <p:nvPicPr>
+          <p:cNvPr id="103" name="Google Shape;103;p5"/>
+          <p:cNvPicPr preferRelativeResize="0"/>
+          <p:nvPr/>
+        </p:nvPicPr>
+        <p:blipFill rotWithShape="1">
+          <a:blip r:embed="rId3">
+            <a:alphaModFix/>
+          </a:blip>
+          <a:srcRect b="0" l="0" r="0" t="0"/>
+          <a:stretch/>
+        </p:blipFill>
+        <p:spPr>
+          <a:xfrm>
+            <a:off x="18642" y="1690688"/>
+            <a:ext cx="12173358" cy="4536000"/>
+          </a:xfrm>
+          <a:prstGeom prst="rect">
+            <a:avLst/>
+          </a:prstGeom>
+          <a:noFill/>
+          <a:ln>
+            <a:noFill/>
+          </a:ln>
+        </p:spPr>
+      </p:pic>
+    </p:spTree>
+  </p:cSld>
+  <p:clrMapOvr>
+    <a:masterClrMapping/>
+  </p:clrMapOvr>
+</p:sld>
+</file>
+
+<file path=ppt/slides/slide5.xml><?xml version="1.0" encoding="utf-8"?>
+<p:sld xmlns:a="http://schemas.openxmlformats.org/drawingml/2006/main" xmlns:r="http://schemas.openxmlformats.org/officeDocument/2006/relationships" xmlns:mc="http://schemas.openxmlformats.org/markup-compatibility/2006" xmlns:mv="urn:schemas-microsoft-com:mac:vml" xmlns:p="http://schemas.openxmlformats.org/presentationml/2006/main" xmlns:c="http://schemas.openxmlformats.org/drawingml/2006/chart" xmlns:dgm="http://schemas.openxmlformats.org/drawingml/2006/diagram" xmlns:o="urn:schemas-microsoft-com:office:office" xmlns:v="urn:schemas-microsoft-com:vml" xmlns:pvml="urn:schemas-microsoft-com:office:powerpoint" xmlns:com="http://schemas.openxmlformats.org/drawingml/2006/compatibility" xmlns:p14="http://schemas.microsoft.com/office/powerpoint/2010/main" xmlns:p15="http://schemas.microsoft.com/office/powerpoint/2012/main" xmlns:ahyp="http://schemas.microsoft.com/office/drawing/2018/hyperlinkcolor">
+  <p:cSld>
+    <p:spTree>
+      <p:nvGrpSpPr>
+        <p:cNvPr id="107" name="Shape 107"/>
+        <p:cNvGrpSpPr/>
+        <p:nvPr/>
+      </p:nvGrpSpPr>
+      <p:grpSpPr>
+        <a:xfrm>
+          <a:off x="0" y="0"/>
+          <a:ext cx="0" cy="0"/>
+          <a:chOff x="0" y="0"/>
+          <a:chExt cx="0" cy="0"/>
+        </a:xfrm>
+      </p:grpSpPr>
+      <p:sp>
+        <p:nvSpPr>
+          <p:cNvPr id="108" name="Google Shape;108;p3"/>
           <p:cNvSpPr txBox="1"/>
           <p:nvPr>
             <p:ph type="title"/>
@@ -17802,7 +18067,7 @@
       </p:sp>
       <p:sp>
         <p:nvSpPr>
-          <p:cNvPr id="103" name="Google Shape;103;p3"/>
+          <p:cNvPr id="109" name="Google Shape;109;p3"/>
           <p:cNvSpPr txBox="1"/>
           <p:nvPr>
             <p:ph idx="1" type="body"/>
@@ -17827,12 +18092,12 @@
           </a:bodyPr>
           <a:lstStyle/>
           <a:p>
-            <a:pPr indent="-228600" lvl="0" marL="228600" rtl="0" algn="just">
-              <a:lnSpc>
-                <a:spcPct val="90000"/>
-              </a:lnSpc>
-              <a:spcBef>
-                <a:spcPts val="0"/>
+            <a:pPr indent="-228600" lvl="0" marL="228600" rtl="0" algn="l">
+              <a:lnSpc>
+                <a:spcPct val="90000"/>
+              </a:lnSpc>
+              <a:spcBef>
+                <a:spcPts val="1000"/>
               </a:spcBef>
               <a:spcAft>
                 <a:spcPts val="0"/>
@@ -17840,6 +18105,121 @@
               <a:buClr>
                 <a:schemeClr val="dk1"/>
               </a:buClr>
+              <a:buSzPts val="2600"/>
+              <a:buChar char="•"/>
+            </a:pPr>
+            <a:r>
+              <a:rPr lang="pt-BR" sz="2600"/>
+              <a:t>informações oriundas de publicações científicas tratadas de forma sistematizada para aberta disponibilização. </a:t>
+            </a:r>
+            <a:endParaRPr/>
+          </a:p>
+          <a:p>
+            <a:pPr indent="-228600" lvl="0" marL="228600" rtl="0" algn="l">
+              <a:lnSpc>
+                <a:spcPct val="90000"/>
+              </a:lnSpc>
+              <a:spcBef>
+                <a:spcPts val="1000"/>
+              </a:spcBef>
+              <a:spcAft>
+                <a:spcPts val="0"/>
+              </a:spcAft>
+              <a:buClr>
+                <a:schemeClr val="dk1"/>
+              </a:buClr>
+              <a:buSzPts val="2600"/>
+              <a:buChar char="•"/>
+            </a:pPr>
+            <a:r>
+              <a:rPr lang="pt-BR" sz="2600"/>
+              <a:t>185</a:t>
+            </a:r>
+            <a:r>
+              <a:rPr lang="pt-BR" sz="2600"/>
+              <a:t> publicações científicas específicas, </a:t>
+            </a:r>
+            <a:endParaRPr/>
+          </a:p>
+          <a:p>
+            <a:pPr indent="-228600" lvl="0" marL="228600" rtl="0" algn="l">
+              <a:lnSpc>
+                <a:spcPct val="90000"/>
+              </a:lnSpc>
+              <a:spcBef>
+                <a:spcPts val="1000"/>
+              </a:spcBef>
+              <a:spcAft>
+                <a:spcPts val="0"/>
+              </a:spcAft>
+              <a:buClr>
+                <a:schemeClr val="dk1"/>
+              </a:buClr>
+              <a:buSzPts val="2600"/>
+              <a:buChar char="•"/>
+            </a:pPr>
+            <a:r>
+              <a:rPr lang="pt-BR" sz="2600"/>
+              <a:t>21,622</a:t>
+            </a:r>
+            <a:r>
+              <a:rPr lang="pt-BR" sz="2600"/>
+              <a:t> registros de atributos sobre </a:t>
+            </a:r>
+            <a:endParaRPr/>
+          </a:p>
+          <a:p>
+            <a:pPr indent="-228600" lvl="0" marL="228600" rtl="0" algn="l">
+              <a:lnSpc>
+                <a:spcPct val="90000"/>
+              </a:lnSpc>
+              <a:spcBef>
+                <a:spcPts val="1000"/>
+              </a:spcBef>
+              <a:spcAft>
+                <a:spcPts val="0"/>
+              </a:spcAft>
+              <a:buClr>
+                <a:schemeClr val="dk1"/>
+              </a:buClr>
+              <a:buSzPts val="2600"/>
+              <a:buChar char="•"/>
+            </a:pPr>
+            <a:r>
+              <a:rPr lang="pt-BR" sz="2600"/>
+              <a:t>3095</a:t>
+            </a:r>
+            <a:r>
+              <a:rPr lang="pt-BR" sz="2600"/>
+              <a:t> espécies plantas aquáticas.</a:t>
+            </a:r>
+            <a:endParaRPr/>
+          </a:p>
+          <a:p>
+            <a:pPr indent="-228600" lvl="0" marL="228600" rtl="0" algn="l">
+              <a:spcBef>
+                <a:spcPts val="1000"/>
+              </a:spcBef>
+              <a:spcAft>
+                <a:spcPts val="0"/>
+              </a:spcAft>
+              <a:buSzPts val="2600"/>
+              <a:buChar char="•"/>
+            </a:pPr>
+            <a:r>
+              <a:rPr lang="pt-BR" sz="2600"/>
+              <a:t>Brasil  líder mundial em espécies de plantas aquáticas e de plantas aquáticas endêmicas. </a:t>
+            </a:r>
+            <a:endParaRPr sz="2600"/>
+          </a:p>
+          <a:p>
+            <a:pPr indent="-279400" lvl="0" marL="228600" rtl="0" algn="just">
+              <a:spcBef>
+                <a:spcPts val="0"/>
+              </a:spcBef>
+              <a:spcAft>
+                <a:spcPts val="0"/>
+              </a:spcAft>
               <a:buSzPts val="2600"/>
               <a:buChar char="•"/>
             </a:pPr>
@@ -17871,223 +18251,10 @@
               <a:rPr lang="pt-BR" sz="2600"/>
               <a:t>, do Brasil e exterior.</a:t>
             </a:r>
-            <a:endParaRPr/>
-          </a:p>
-          <a:p>
-            <a:pPr indent="-228600" lvl="0" marL="228600" rtl="0" algn="l">
-              <a:lnSpc>
-                <a:spcPct val="90000"/>
-              </a:lnSpc>
-              <a:spcBef>
-                <a:spcPts val="1000"/>
-              </a:spcBef>
-              <a:spcAft>
-                <a:spcPts val="0"/>
-              </a:spcAft>
-              <a:buClr>
-                <a:schemeClr val="dk1"/>
-              </a:buClr>
-              <a:buSzPts val="2600"/>
-              <a:buChar char="•"/>
-            </a:pPr>
-            <a:r>
-              <a:rPr lang="pt-BR" sz="2600"/>
-              <a:t>informações oriundas de publicações científicas tratadas de forma sistematizada para aberta disponibilização. </a:t>
-            </a:r>
-            <a:endParaRPr/>
-          </a:p>
-          <a:p>
-            <a:pPr indent="-228600" lvl="0" marL="228600" rtl="0" algn="l">
-              <a:lnSpc>
-                <a:spcPct val="90000"/>
-              </a:lnSpc>
-              <a:spcBef>
-                <a:spcPts val="1000"/>
-              </a:spcBef>
-              <a:spcAft>
-                <a:spcPts val="0"/>
-              </a:spcAft>
-              <a:buClr>
-                <a:schemeClr val="dk1"/>
-              </a:buClr>
-              <a:buSzPts val="2600"/>
-              <a:buChar char="•"/>
-            </a:pPr>
-            <a:r>
-              <a:rPr lang="pt-BR" sz="2600"/>
-              <a:t>200 publicações científicas específicas, </a:t>
-            </a:r>
-            <a:endParaRPr/>
-          </a:p>
-          <a:p>
-            <a:pPr indent="-228600" lvl="0" marL="228600" rtl="0" algn="l">
-              <a:lnSpc>
-                <a:spcPct val="90000"/>
-              </a:lnSpc>
-              <a:spcBef>
-                <a:spcPts val="1000"/>
-              </a:spcBef>
-              <a:spcAft>
-                <a:spcPts val="0"/>
-              </a:spcAft>
-              <a:buClr>
-                <a:schemeClr val="dk1"/>
-              </a:buClr>
-              <a:buSzPts val="2600"/>
-              <a:buChar char="•"/>
-            </a:pPr>
-            <a:r>
-              <a:rPr lang="pt-BR" sz="2600"/>
-              <a:t>25.000 registros de atributos sobre </a:t>
-            </a:r>
-            <a:endParaRPr/>
-          </a:p>
-          <a:p>
-            <a:pPr indent="-228600" lvl="0" marL="228600" rtl="0" algn="l">
-              <a:lnSpc>
-                <a:spcPct val="90000"/>
-              </a:lnSpc>
-              <a:spcBef>
-                <a:spcPts val="1000"/>
-              </a:spcBef>
-              <a:spcAft>
-                <a:spcPts val="0"/>
-              </a:spcAft>
-              <a:buClr>
-                <a:schemeClr val="dk1"/>
-              </a:buClr>
-              <a:buSzPts val="2600"/>
-              <a:buChar char="•"/>
-            </a:pPr>
-            <a:r>
-              <a:rPr lang="pt-BR" sz="2600"/>
-              <a:t>quase 3.000 espécies plantas aquáticas.</a:t>
-            </a:r>
-            <a:endParaRPr/>
-          </a:p>
-          <a:p>
-            <a:pPr indent="-228600" lvl="0" marL="228600" rtl="0" algn="l">
-              <a:spcBef>
-                <a:spcPts val="1000"/>
-              </a:spcBef>
-              <a:spcAft>
-                <a:spcPts val="0"/>
-              </a:spcAft>
-              <a:buSzPts val="2600"/>
-              <a:buChar char="•"/>
-            </a:pPr>
-            <a:r>
-              <a:rPr lang="pt-BR" sz="2600"/>
-              <a:t>Brasil  líder mundial em espécies de plantas aquáticas e de plantas aquáticas endêmicas. </a:t>
-            </a:r>
             <a:endParaRPr sz="2600"/>
           </a:p>
         </p:txBody>
       </p:sp>
-    </p:spTree>
-  </p:cSld>
-  <p:clrMapOvr>
-    <a:masterClrMapping/>
-  </p:clrMapOvr>
-</p:sld>
-</file>
-
-<file path=ppt/slides/slide5.xml><?xml version="1.0" encoding="utf-8"?>
-<p:sld xmlns:a="http://schemas.openxmlformats.org/drawingml/2006/main" xmlns:r="http://schemas.openxmlformats.org/officeDocument/2006/relationships" xmlns:mc="http://schemas.openxmlformats.org/markup-compatibility/2006" xmlns:mv="urn:schemas-microsoft-com:mac:vml" xmlns:p="http://schemas.openxmlformats.org/presentationml/2006/main" xmlns:c="http://schemas.openxmlformats.org/drawingml/2006/chart" xmlns:dgm="http://schemas.openxmlformats.org/drawingml/2006/diagram" xmlns:o="urn:schemas-microsoft-com:office:office" xmlns:v="urn:schemas-microsoft-com:vml" xmlns:pvml="urn:schemas-microsoft-com:office:powerpoint" xmlns:com="http://schemas.openxmlformats.org/drawingml/2006/compatibility" xmlns:p14="http://schemas.microsoft.com/office/powerpoint/2010/main" xmlns:p15="http://schemas.microsoft.com/office/powerpoint/2012/main" xmlns:ahyp="http://schemas.microsoft.com/office/drawing/2018/hyperlinkcolor">
-  <p:cSld>
-    <p:spTree>
-      <p:nvGrpSpPr>
-        <p:cNvPr id="107" name="Shape 107"/>
-        <p:cNvGrpSpPr/>
-        <p:nvPr/>
-      </p:nvGrpSpPr>
-      <p:grpSpPr>
-        <a:xfrm>
-          <a:off x="0" y="0"/>
-          <a:ext cx="0" cy="0"/>
-          <a:chOff x="0" y="0"/>
-          <a:chExt cx="0" cy="0"/>
-        </a:xfrm>
-      </p:grpSpPr>
-      <p:sp>
-        <p:nvSpPr>
-          <p:cNvPr id="108" name="Google Shape;108;p5"/>
-          <p:cNvSpPr txBox="1"/>
-          <p:nvPr>
-            <p:ph type="title"/>
-          </p:nvPr>
-        </p:nvSpPr>
-        <p:spPr>
-          <a:xfrm>
-            <a:off x="838200" y="365125"/>
-            <a:ext cx="10515600" cy="1325563"/>
-          </a:xfrm>
-          <a:prstGeom prst="rect">
-            <a:avLst/>
-          </a:prstGeom>
-          <a:noFill/>
-          <a:ln>
-            <a:noFill/>
-          </a:ln>
-        </p:spPr>
-        <p:txBody>
-          <a:bodyPr anchorCtr="0" anchor="ctr" bIns="45700" lIns="91425" spcFirstLastPara="1" rIns="91425" wrap="square" tIns="45700">
-            <a:normAutofit/>
-          </a:bodyPr>
-          <a:lstStyle/>
-          <a:p>
-            <a:pPr indent="0" lvl="0" marL="0" rtl="0" algn="l">
-              <a:lnSpc>
-                <a:spcPct val="90000"/>
-              </a:lnSpc>
-              <a:spcBef>
-                <a:spcPts val="0"/>
-              </a:spcBef>
-              <a:spcAft>
-                <a:spcPts val="0"/>
-              </a:spcAft>
-              <a:buClr>
-                <a:schemeClr val="dk1"/>
-              </a:buClr>
-              <a:buSzPts val="4400"/>
-              <a:buFont typeface="Calibri"/>
-              <a:buNone/>
-            </a:pPr>
-            <a:r>
-              <a:rPr lang="pt-BR"/>
-              <a:t>sites.icb.ufmg.br/plantasaquaticasbrasil/</a:t>
-            </a:r>
-            <a:endParaRPr/>
-          </a:p>
-        </p:txBody>
-      </p:sp>
-      <p:pic>
-        <p:nvPicPr>
-          <p:cNvPr id="109" name="Google Shape;109;p5"/>
-          <p:cNvPicPr preferRelativeResize="0"/>
-          <p:nvPr/>
-        </p:nvPicPr>
-        <p:blipFill rotWithShape="1">
-          <a:blip r:embed="rId3">
-            <a:alphaModFix/>
-          </a:blip>
-          <a:srcRect b="0" l="0" r="0" t="0"/>
-          <a:stretch/>
-        </p:blipFill>
-        <p:spPr>
-          <a:xfrm>
-            <a:off x="18642" y="1690688"/>
-            <a:ext cx="12173358" cy="4536000"/>
-          </a:xfrm>
-          <a:prstGeom prst="rect">
-            <a:avLst/>
-          </a:prstGeom>
-          <a:noFill/>
-          <a:ln>
-            <a:noFill/>
-          </a:ln>
-        </p:spPr>
-      </p:pic>
     </p:spTree>
   </p:cSld>
   <p:clrMapOvr>
